--- a/Matt Moore Step 18.pptx
+++ b/Matt Moore Step 18.pptx
@@ -5014,15 +5014,7 @@
             </a:r>
             <a:r>
               <a:rPr lang="en-US" dirty="0"/>
-              <a:t> this point. I settled on a simple Term based framework to salvage </a:t>
-            </a:r>
-            <a:r>
-              <a:rPr lang="en-US" dirty="0" err="1"/>
-              <a:t>databse</a:t>
-            </a:r>
-            <a:r>
-              <a:rPr lang="en-US" dirty="0"/>
-              <a:t> functionality for this project. Moving forward, after User Authentication is added, I plan to re-attempt the user centric model.</a:t>
+              <a:t> this point. I settled on a simple Term based framework to salvage database functionality for this project. Moving forward, after User Authentication is added, I plan to re-attempt the user centric model.</a:t>
             </a:r>
           </a:p>
         </p:txBody>
@@ -5055,7 +5047,7 @@
           <a:graphicData uri="http://schemas.openxmlformats.org/presentationml/2006/ole">
             <mc:AlternateContent xmlns:mc="http://schemas.openxmlformats.org/markup-compatibility/2006">
               <mc:Choice xmlns:v="urn:schemas-microsoft-com:vml" Requires="v">
-                <p:oleObj spid="_x0000_s1027" name="Worksheet" r:id="rId3" imgW="6400800" imgH="6108700" progId="Excel.Sheet.12">
+                <p:oleObj spid="_x0000_s1029" name="Worksheet" r:id="rId3" imgW="6400800" imgH="6108700" progId="Excel.Sheet.12">
                   <p:embed/>
                 </p:oleObj>
               </mc:Choice>
